--- a/Dokumenty/Detekcja krawędzi operatorem Sobel’a.pptx
+++ b/Dokumenty/Detekcja krawędzi operatorem Sobel’a.pptx
@@ -286,7 +286,7 @@
           <a:p>
             <a:fld id="{D1D1EADE-8E88-4C7C-8AC5-FB148DE4940E}" type="datetime1">
               <a:rPr lang="en-US" smtClean="0"/>
-              <a:t>10/31/2025</a:t>
+              <a:t>11/3/2025</a:t>
             </a:fld>
             <a:endParaRPr lang="en-US"/>
           </a:p>
@@ -486,7 +486,7 @@
           <a:p>
             <a:fld id="{EC3C8B9C-477D-492A-96AD-1FC2CC997A73}" type="datetime1">
               <a:rPr lang="en-US" smtClean="0"/>
-              <a:t>10/31/2025</a:t>
+              <a:t>11/3/2025</a:t>
             </a:fld>
             <a:endParaRPr lang="en-US"/>
           </a:p>
@@ -696,7 +696,7 @@
           <a:p>
             <a:fld id="{42D3AED5-E26D-4E29-B1B3-7847B6779594}" type="datetime1">
               <a:rPr lang="en-US" smtClean="0"/>
-              <a:t>10/31/2025</a:t>
+              <a:t>11/3/2025</a:t>
             </a:fld>
             <a:endParaRPr lang="en-US"/>
           </a:p>
@@ -896,7 +896,7 @@
           <a:p>
             <a:fld id="{157B6794-849E-4626-908B-D15793550EFB}" type="datetime1">
               <a:rPr lang="en-US" smtClean="0"/>
-              <a:t>10/31/2025</a:t>
+              <a:t>11/3/2025</a:t>
             </a:fld>
             <a:endParaRPr lang="en-US"/>
           </a:p>
@@ -1172,7 +1172,7 @@
           <a:p>
             <a:fld id="{63DB64E7-5594-42A3-ADBF-E95A7ACEAD64}" type="datetime1">
               <a:rPr lang="en-US" smtClean="0"/>
-              <a:t>10/31/2025</a:t>
+              <a:t>11/3/2025</a:t>
             </a:fld>
             <a:endParaRPr lang="en-US"/>
           </a:p>
@@ -1445,7 +1445,7 @@
           <a:p>
             <a:fld id="{18462B0B-D248-4FFB-8695-AD7FA4B1284A}" type="datetime1">
               <a:rPr lang="en-US" smtClean="0"/>
-              <a:t>10/31/2025</a:t>
+              <a:t>11/3/2025</a:t>
             </a:fld>
             <a:endParaRPr lang="en-US"/>
           </a:p>
@@ -1868,7 +1868,7 @@
           <a:p>
             <a:fld id="{D0378EFB-9159-4510-B73F-4F0409ADE937}" type="datetime1">
               <a:rPr lang="en-US" smtClean="0"/>
-              <a:t>10/31/2025</a:t>
+              <a:t>11/3/2025</a:t>
             </a:fld>
             <a:endParaRPr lang="en-US"/>
           </a:p>
@@ -2010,7 +2010,7 @@
           <a:p>
             <a:fld id="{89BC9412-2452-4BED-A324-9D8C115361AD}" type="datetime1">
               <a:rPr lang="en-US" smtClean="0"/>
-              <a:t>10/31/2025</a:t>
+              <a:t>11/3/2025</a:t>
             </a:fld>
             <a:endParaRPr lang="en-US"/>
           </a:p>
@@ -2123,7 +2123,7 @@
           <a:p>
             <a:fld id="{F5318F62-D251-40E8-A23C-F4CFE9FEAB41}" type="datetime1">
               <a:rPr lang="en-US" smtClean="0"/>
-              <a:t>10/31/2025</a:t>
+              <a:t>11/3/2025</a:t>
             </a:fld>
             <a:endParaRPr lang="en-US"/>
           </a:p>
@@ -2436,7 +2436,7 @@
           <a:p>
             <a:fld id="{44F76144-149E-4874-93A5-554A0357CF82}" type="datetime1">
               <a:rPr lang="en-US" smtClean="0"/>
-              <a:t>10/31/2025</a:t>
+              <a:t>11/3/2025</a:t>
             </a:fld>
             <a:endParaRPr lang="en-US"/>
           </a:p>
@@ -2729,7 +2729,7 @@
           <a:p>
             <a:fld id="{50BA65D8-0540-4835-AE5C-25D29DBA01BE}" type="datetime1">
               <a:rPr lang="en-US" smtClean="0"/>
-              <a:t>10/31/2025</a:t>
+              <a:t>11/3/2025</a:t>
             </a:fld>
             <a:endParaRPr lang="en-US"/>
           </a:p>
@@ -2971,7 +2971,7 @@
           <a:p>
             <a:fld id="{E31BA835-12AC-4E8F-955A-EA3F4DE2791F}" type="datetime1">
               <a:rPr lang="en-US" smtClean="0"/>
-              <a:t>10/31/2025</a:t>
+              <a:t>11/3/2025</a:t>
             </a:fld>
             <a:endParaRPr lang="en-US"/>
           </a:p>
@@ -4092,7 +4092,7 @@
             </a:r>
             <a:r>
               <a:rPr lang="pl-PL" dirty="0"/>
-              <a:t>(SAIL) i od tego czasu stała się szeroko wykorzystywana w dziedzinie przetwarzania obrazu (image </a:t>
+              <a:t>(SAIL) i od tego czasu stała się szeroko wykorzystywana w dziedzinie image </a:t>
             </a:r>
             <a:r>
               <a:rPr lang="pl-PL" dirty="0" err="1"/>
@@ -4100,7 +4100,7 @@
             </a:r>
             <a:r>
               <a:rPr lang="pl-PL" dirty="0"/>
-              <a:t>) oraz wizji komputerowej do detekcji krawędzi.</a:t>
+              <a:t> oraz wizji komputerowej do detekcji krawędzi.</a:t>
             </a:r>
           </a:p>
         </p:txBody>
@@ -4497,7 +4497,7 @@
             </a:r>
             <a:r>
               <a:rPr lang="pl-PL" sz="1400" dirty="0"/>
-              <a:t> – Miejsce gdzie wartość funkcji intensywności zmienia się gwałtownie (skok jasności pikseli w obrazie – oznaka krawędzi).</a:t>
+              <a:t> – Obszar, na którym wartość funkcji intensywności zmienia się gwałtownie (skok jasności pikseli w obrazie – z ciemnych na jasne lub odwrotnie).</a:t>
             </a:r>
           </a:p>
           <a:p>
@@ -4512,7 +4512,7 @@
             </a:r>
             <a:r>
               <a:rPr lang="pl-PL" sz="1400" dirty="0"/>
-              <a:t>– Pochodne cząstkowe funkcji intensywności opisują tempo zmian tej funkcji, co za tym idzie jest przydatnym narzędziem do detekcji krawędzi. </a:t>
+              <a:t>– Pochodne cząstkowe funkcji intensywności opisują tempo zmian tej funkcji, co za tym idzie są przydatnym narzędziem do detekcji krawędzi. </a:t>
             </a:r>
           </a:p>
           <a:p>
@@ -5195,7 +5195,7 @@
             </a:r>
             <a:r>
               <a:rPr lang="pl-PL" b="1" dirty="0"/>
-              <a:t>siła gradientu G </a:t>
+              <a:t>moc gradientu G </a:t>
             </a:r>
             <a:r>
               <a:rPr lang="pl-PL" dirty="0"/>
@@ -5205,7 +5205,7 @@
           <a:p>
             <a:r>
               <a:rPr lang="pl-PL" dirty="0"/>
-              <a:t>Opcjonalnie zastosowanie </a:t>
+              <a:t>Zastosowanie </a:t>
             </a:r>
             <a:r>
               <a:rPr lang="pl-PL" b="1" dirty="0" err="1"/>
